--- a/시퀀스다이어그램 mysite.pptx
+++ b/시퀀스다이어그램 mysite.pptx
@@ -2,7 +2,7 @@
 <file path=ppt/presentation.xml><?xml version="1.0" encoding="utf-8"?>
 <p:presentation xmlns:r="http://schemas.openxmlformats.org/officeDocument/2006/relationships" xmlns:c="http://schemas.openxmlformats.org/drawingml/2006/chart" xmlns:a="http://schemas.openxmlformats.org/drawingml/2006/main" xmlns:dgm="http://schemas.openxmlformats.org/drawingml/2006/diagram" xmlns:dsp="http://schemas.microsoft.com/office/drawing/2008/diagram" xmlns:p="http://schemas.openxmlformats.org/presentationml/2006/main" saveSubsetFonts="1">
   <p:sldMasterIdLst>
-    <p:sldMasterId id="2147483750" r:id="rId1"/>
+    <p:sldMasterId id="2147483737" r:id="rId1"/>
   </p:sldMasterIdLst>
   <p:sldIdLst>
     <p:sldId id="256" r:id="rId2"/>
@@ -4939,7 +4939,7 @@
         <p:spPr>
           <a:xfrm>
             <a:off x="641685" y="360325"/>
-            <a:ext cx="9375172" cy="818869"/>
+            <a:ext cx="9375172" cy="818870"/>
           </a:xfrm>
           <a:prstGeom prst="rect">
             <a:avLst/>
@@ -5843,7 +5843,7 @@
                 <a:latin typeface="+mn-ea"/>
                 <a:ea typeface="+mn-ea"/>
               </a:rPr>
-              <a:t>/guestbook/addList</a:t>
+              <a:t>/guestbook/add</a:t>
             </a:r>
             <a:endParaRPr lang="en-US" altLang="ko-KR" sz="1600">
               <a:latin typeface="+mn-ea"/>
@@ -6211,7 +6211,7 @@
                 </a:solidFill>
                 <a:latin typeface="+mn-ea"/>
               </a:rPr>
-              <a:t>id=”selectList”</a:t>
+              <a:t>id=”insert”</a:t>
             </a:r>
             <a:endParaRPr lang="en-US" altLang="ko-KR" sz="1800">
               <a:solidFill>
@@ -6506,7 +6506,7 @@
                 </a:solidFill>
                 <a:latin typeface="+mn-ea"/>
               </a:rPr>
-              <a:t>/guestbook/addList</a:t>
+              <a:t>/guestbook/add</a:t>
             </a:r>
             <a:r>
               <a:rPr lang="en-US" sz="1800">
@@ -9086,6 +9086,254 @@
               <a:t>}</a:t>
             </a:r>
             <a:endParaRPr lang="ko-KR" altLang="en-US" sz="1400">
+              <a:latin typeface="+mn-ea"/>
+              <a:ea typeface="+mn-ea"/>
+            </a:endParaRPr>
+          </a:p>
+        </p:txBody>
+      </p:sp>
+      <p:sp>
+        <p:nvSpPr>
+          <p:cNvPr id="564" name="직사각형 24"/>
+          <p:cNvSpPr>
+            <a:spLocks noChangeArrowheads="1"/>
+          </p:cNvSpPr>
+          <p:nvPr/>
+        </p:nvSpPr>
+        <p:spPr>
+          <a:xfrm>
+            <a:off x="2197753" y="2786398"/>
+            <a:ext cx="1602107" cy="429370"/>
+          </a:xfrm>
+          <a:prstGeom prst="rect">
+            <a:avLst/>
+          </a:prstGeom>
+          <a:ln/>
+        </p:spPr>
+        <p:style>
+          <a:lnRef idx="2">
+            <a:schemeClr val="dk1"/>
+          </a:lnRef>
+          <a:fillRef idx="1">
+            <a:schemeClr val="lt1"/>
+          </a:fillRef>
+          <a:effectRef idx="0">
+            <a:schemeClr val="dk1"/>
+          </a:effectRef>
+          <a:fontRef idx="minor">
+            <a:schemeClr val="dk1"/>
+          </a:fontRef>
+        </p:style>
+        <p:txBody>
+          <a:bodyPr lIns="0" tIns="0" rIns="0" bIns="0" anchor="ctr"/>
+          <a:lstStyle/>
+          <a:p>
+            <a:pPr algn="ctr" eaLnBrk="1" hangingPunct="1">
+              <a:lnSpc>
+                <a:spcPct val="100000"/>
+              </a:lnSpc>
+              <a:spcBef>
+                <a:spcPct val="0"/>
+              </a:spcBef>
+              <a:buClrTx/>
+              <a:buFontTx/>
+              <a:buNone/>
+              <a:defRPr/>
+            </a:pPr>
+            <a:r>
+              <a:rPr lang="ko-KR" altLang="en-US" sz="1600">
+                <a:latin typeface="+mn-ea"/>
+                <a:ea typeface="+mn-ea"/>
+              </a:rPr>
+              <a:t>리스트화면</a:t>
+            </a:r>
+            <a:endParaRPr lang="ko-KR" altLang="en-US" sz="1600">
+              <a:latin typeface="+mn-ea"/>
+              <a:ea typeface="+mn-ea"/>
+            </a:endParaRPr>
+          </a:p>
+        </p:txBody>
+      </p:sp>
+      <p:sp>
+        <p:nvSpPr>
+          <p:cNvPr id="565" name="직사각형 24"/>
+          <p:cNvSpPr>
+            <a:spLocks noChangeArrowheads="1"/>
+          </p:cNvSpPr>
+          <p:nvPr/>
+        </p:nvSpPr>
+        <p:spPr>
+          <a:xfrm>
+            <a:off x="2197753" y="7720348"/>
+            <a:ext cx="1602107" cy="429370"/>
+          </a:xfrm>
+          <a:prstGeom prst="rect">
+            <a:avLst/>
+          </a:prstGeom>
+          <a:ln/>
+        </p:spPr>
+        <p:style>
+          <a:lnRef idx="2">
+            <a:schemeClr val="dk1"/>
+          </a:lnRef>
+          <a:fillRef idx="1">
+            <a:schemeClr val="lt1"/>
+          </a:fillRef>
+          <a:effectRef idx="0">
+            <a:schemeClr val="dk1"/>
+          </a:effectRef>
+          <a:fontRef idx="minor">
+            <a:schemeClr val="dk1"/>
+          </a:fontRef>
+        </p:style>
+        <p:txBody>
+          <a:bodyPr lIns="0" tIns="0" rIns="0" bIns="0" anchor="ctr"/>
+          <a:lstStyle/>
+          <a:p>
+            <a:pPr algn="ctr" eaLnBrk="1" hangingPunct="1">
+              <a:lnSpc>
+                <a:spcPct val="100000"/>
+              </a:lnSpc>
+              <a:spcBef>
+                <a:spcPct val="0"/>
+              </a:spcBef>
+              <a:buClrTx/>
+              <a:buFontTx/>
+              <a:buNone/>
+              <a:defRPr/>
+            </a:pPr>
+            <a:r>
+              <a:rPr lang="ko-KR" altLang="en-US" sz="1600">
+                <a:latin typeface="+mn-ea"/>
+                <a:ea typeface="+mn-ea"/>
+              </a:rPr>
+              <a:t>등록</a:t>
+            </a:r>
+            <a:endParaRPr lang="ko-KR" altLang="en-US" sz="1600">
+              <a:latin typeface="+mn-ea"/>
+              <a:ea typeface="+mn-ea"/>
+            </a:endParaRPr>
+          </a:p>
+        </p:txBody>
+      </p:sp>
+      <p:sp>
+        <p:nvSpPr>
+          <p:cNvPr id="566" name="직사각형 24"/>
+          <p:cNvSpPr>
+            <a:spLocks noChangeArrowheads="1"/>
+          </p:cNvSpPr>
+          <p:nvPr/>
+        </p:nvSpPr>
+        <p:spPr>
+          <a:xfrm>
+            <a:off x="1969153" y="12368549"/>
+            <a:ext cx="1602107" cy="429370"/>
+          </a:xfrm>
+          <a:prstGeom prst="rect">
+            <a:avLst/>
+          </a:prstGeom>
+          <a:ln/>
+        </p:spPr>
+        <p:style>
+          <a:lnRef idx="2">
+            <a:schemeClr val="dk1"/>
+          </a:lnRef>
+          <a:fillRef idx="1">
+            <a:schemeClr val="lt1"/>
+          </a:fillRef>
+          <a:effectRef idx="0">
+            <a:schemeClr val="dk1"/>
+          </a:effectRef>
+          <a:fontRef idx="minor">
+            <a:schemeClr val="dk1"/>
+          </a:fontRef>
+        </p:style>
+        <p:txBody>
+          <a:bodyPr lIns="0" tIns="0" rIns="0" bIns="0" anchor="ctr"/>
+          <a:lstStyle/>
+          <a:p>
+            <a:pPr algn="ctr" eaLnBrk="1" hangingPunct="1">
+              <a:lnSpc>
+                <a:spcPct val="100000"/>
+              </a:lnSpc>
+              <a:spcBef>
+                <a:spcPct val="0"/>
+              </a:spcBef>
+              <a:buClrTx/>
+              <a:buFontTx/>
+              <a:buNone/>
+              <a:defRPr/>
+            </a:pPr>
+            <a:r>
+              <a:rPr lang="ko-KR" altLang="en-US" sz="1600">
+                <a:latin typeface="+mn-ea"/>
+                <a:ea typeface="+mn-ea"/>
+              </a:rPr>
+              <a:t>삭제폼</a:t>
+            </a:r>
+            <a:endParaRPr lang="ko-KR" altLang="en-US" sz="1600">
+              <a:latin typeface="+mn-ea"/>
+              <a:ea typeface="+mn-ea"/>
+            </a:endParaRPr>
+          </a:p>
+        </p:txBody>
+      </p:sp>
+      <p:sp>
+        <p:nvSpPr>
+          <p:cNvPr id="567" name="직사각형 24"/>
+          <p:cNvSpPr>
+            <a:spLocks noChangeArrowheads="1"/>
+          </p:cNvSpPr>
+          <p:nvPr/>
+        </p:nvSpPr>
+        <p:spPr>
+          <a:xfrm>
+            <a:off x="1797703" y="17721598"/>
+            <a:ext cx="1602107" cy="429370"/>
+          </a:xfrm>
+          <a:prstGeom prst="rect">
+            <a:avLst/>
+          </a:prstGeom>
+          <a:ln/>
+        </p:spPr>
+        <p:style>
+          <a:lnRef idx="2">
+            <a:schemeClr val="dk1"/>
+          </a:lnRef>
+          <a:fillRef idx="1">
+            <a:schemeClr val="lt1"/>
+          </a:fillRef>
+          <a:effectRef idx="0">
+            <a:schemeClr val="dk1"/>
+          </a:effectRef>
+          <a:fontRef idx="minor">
+            <a:schemeClr val="dk1"/>
+          </a:fontRef>
+        </p:style>
+        <p:txBody>
+          <a:bodyPr lIns="0" tIns="0" rIns="0" bIns="0" anchor="ctr"/>
+          <a:lstStyle/>
+          <a:p>
+            <a:pPr algn="ctr" eaLnBrk="1" hangingPunct="1">
+              <a:lnSpc>
+                <a:spcPct val="100000"/>
+              </a:lnSpc>
+              <a:spcBef>
+                <a:spcPct val="0"/>
+              </a:spcBef>
+              <a:buClrTx/>
+              <a:buFontTx/>
+              <a:buNone/>
+              <a:defRPr/>
+            </a:pPr>
+            <a:r>
+              <a:rPr lang="ko-KR" altLang="en-US" sz="1600">
+                <a:latin typeface="+mn-ea"/>
+                <a:ea typeface="+mn-ea"/>
+              </a:rPr>
+              <a:t>삭제</a:t>
+            </a:r>
+            <a:endParaRPr lang="ko-KR" altLang="en-US" sz="1600">
               <a:latin typeface="+mn-ea"/>
               <a:ea typeface="+mn-ea"/>
             </a:endParaRPr>
